--- a/Lessons/class3/Class3A_Freq_Assocs.pptx
+++ b/Lessons/class3/Class3A_Freq_Assocs.pptx
@@ -6426,7 +6426,7 @@
           <a:p>
             <a:fld id="{B0C0A60C-850A-4EA4-9C14-A8FE98B94505}" type="datetimeFigureOut">
               <a:rPr lang="en-US" smtClean="0"/>
-              <a:t>2/28/2022</a:t>
+              <a:t>3/2/2022</a:t>
             </a:fld>
             <a:endParaRPr lang="en-US"/>
           </a:p>
@@ -6693,6 +6693,663 @@
 </p:notesMaster>
 </file>
 
+<file path=ppt/notesSlides/notesSlide1.xml><?xml version="1.0" encoding="utf-8"?>
+<p:notes xmlns:a="http://schemas.openxmlformats.org/drawingml/2006/main" xmlns:r="http://schemas.openxmlformats.org/officeDocument/2006/relationships" xmlns:p="http://schemas.openxmlformats.org/presentationml/2006/main">
+  <p:cSld>
+    <p:spTree>
+      <p:nvGrpSpPr>
+        <p:cNvPr id="1" name=""/>
+        <p:cNvGrpSpPr/>
+        <p:nvPr/>
+      </p:nvGrpSpPr>
+      <p:grpSpPr>
+        <a:xfrm>
+          <a:off x="0" y="0"/>
+          <a:ext cx="0" cy="0"/>
+          <a:chOff x="0" y="0"/>
+          <a:chExt cx="0" cy="0"/>
+        </a:xfrm>
+      </p:grpSpPr>
+      <p:sp>
+        <p:nvSpPr>
+          <p:cNvPr id="2" name="Slide Image Placeholder 1"/>
+          <p:cNvSpPr>
+            <a:spLocks noGrp="1" noRot="1" noChangeAspect="1"/>
+          </p:cNvSpPr>
+          <p:nvPr>
+            <p:ph type="sldImg"/>
+          </p:nvPr>
+        </p:nvSpPr>
+        <p:spPr/>
+      </p:sp>
+      <p:sp>
+        <p:nvSpPr>
+          <p:cNvPr id="3" name="Notes Placeholder 2"/>
+          <p:cNvSpPr>
+            <a:spLocks noGrp="1"/>
+          </p:cNvSpPr>
+          <p:nvPr>
+            <p:ph type="body" idx="1"/>
+          </p:nvPr>
+        </p:nvSpPr>
+        <p:spPr/>
+        <p:txBody>
+          <a:bodyPr/>
+          <a:lstStyle/>
+          <a:p>
+            <a:r>
+              <a:rPr lang="en-US" dirty="0"/>
+              <a:t>You could compare two corpora but the </a:t>
+            </a:r>
+            <a:r>
+              <a:rPr lang="en-US" dirty="0" err="1"/>
+              <a:t>frequence</a:t>
+            </a:r>
+            <a:r>
+              <a:rPr lang="en-US" dirty="0"/>
+              <a:t> (Document lengths) may make this view hard to interpret.</a:t>
+            </a:r>
+          </a:p>
+        </p:txBody>
+      </p:sp>
+      <p:sp>
+        <p:nvSpPr>
+          <p:cNvPr id="4" name="Slide Number Placeholder 3"/>
+          <p:cNvSpPr>
+            <a:spLocks noGrp="1"/>
+          </p:cNvSpPr>
+          <p:nvPr>
+            <p:ph type="sldNum" sz="quarter" idx="5"/>
+          </p:nvPr>
+        </p:nvSpPr>
+        <p:spPr/>
+        <p:txBody>
+          <a:bodyPr/>
+          <a:lstStyle/>
+          <a:p>
+            <a:fld id="{24E9AA13-E3FC-4BB6-B68D-5F0F5803D716}" type="slidenum">
+              <a:rPr lang="en-US" smtClean="0"/>
+              <a:t>5</a:t>
+            </a:fld>
+            <a:endParaRPr lang="en-US"/>
+          </a:p>
+        </p:txBody>
+      </p:sp>
+    </p:spTree>
+    <p:extLst>
+      <p:ext uri="{BB962C8B-B14F-4D97-AF65-F5344CB8AC3E}">
+        <p14:creationId xmlns:p14="http://schemas.microsoft.com/office/powerpoint/2010/main" val="3214653651"/>
+      </p:ext>
+    </p:extLst>
+  </p:cSld>
+  <p:clrMapOvr>
+    <a:masterClrMapping/>
+  </p:clrMapOvr>
+</p:notes>
+</file>
+
+<file path=ppt/notesSlides/notesSlide2.xml><?xml version="1.0" encoding="utf-8"?>
+<p:notes xmlns:a="http://schemas.openxmlformats.org/drawingml/2006/main" xmlns:r="http://schemas.openxmlformats.org/officeDocument/2006/relationships" xmlns:p="http://schemas.openxmlformats.org/presentationml/2006/main">
+  <p:cSld>
+    <p:spTree>
+      <p:nvGrpSpPr>
+        <p:cNvPr id="1" name=""/>
+        <p:cNvGrpSpPr/>
+        <p:nvPr/>
+      </p:nvGrpSpPr>
+      <p:grpSpPr>
+        <a:xfrm>
+          <a:off x="0" y="0"/>
+          <a:ext cx="0" cy="0"/>
+          <a:chOff x="0" y="0"/>
+          <a:chExt cx="0" cy="0"/>
+        </a:xfrm>
+      </p:grpSpPr>
+      <p:sp>
+        <p:nvSpPr>
+          <p:cNvPr id="2" name="Slide Image Placeholder 1"/>
+          <p:cNvSpPr>
+            <a:spLocks noGrp="1" noRot="1" noChangeAspect="1"/>
+          </p:cNvSpPr>
+          <p:nvPr>
+            <p:ph type="sldImg"/>
+          </p:nvPr>
+        </p:nvSpPr>
+        <p:spPr/>
+      </p:sp>
+      <p:sp>
+        <p:nvSpPr>
+          <p:cNvPr id="3" name="Notes Placeholder 2"/>
+          <p:cNvSpPr>
+            <a:spLocks noGrp="1"/>
+          </p:cNvSpPr>
+          <p:nvPr>
+            <p:ph type="body" idx="1"/>
+          </p:nvPr>
+        </p:nvSpPr>
+        <p:spPr/>
+        <p:txBody>
+          <a:bodyPr/>
+          <a:lstStyle/>
+          <a:p>
+            <a:r>
+              <a:rPr lang="en-US" dirty="0"/>
+              <a:t>This is a tough view for text because of lexical diversity and document length could impact </a:t>
+            </a:r>
+            <a:r>
+              <a:rPr lang="en-US" dirty="0" err="1"/>
+              <a:t>readaibility</a:t>
+            </a:r>
+            <a:r>
+              <a:rPr lang="en-US" dirty="0"/>
+              <a:t>. The proportionality can drown up , Wikipedia vs csv</a:t>
+            </a:r>
+          </a:p>
+        </p:txBody>
+      </p:sp>
+      <p:sp>
+        <p:nvSpPr>
+          <p:cNvPr id="4" name="Slide Number Placeholder 3"/>
+          <p:cNvSpPr>
+            <a:spLocks noGrp="1"/>
+          </p:cNvSpPr>
+          <p:nvPr>
+            <p:ph type="sldNum" sz="quarter" idx="5"/>
+          </p:nvPr>
+        </p:nvSpPr>
+        <p:spPr/>
+        <p:txBody>
+          <a:bodyPr/>
+          <a:lstStyle/>
+          <a:p>
+            <a:fld id="{24E9AA13-E3FC-4BB6-B68D-5F0F5803D716}" type="slidenum">
+              <a:rPr lang="en-US" smtClean="0"/>
+              <a:t>6</a:t>
+            </a:fld>
+            <a:endParaRPr lang="en-US"/>
+          </a:p>
+        </p:txBody>
+      </p:sp>
+    </p:spTree>
+    <p:extLst>
+      <p:ext uri="{BB962C8B-B14F-4D97-AF65-F5344CB8AC3E}">
+        <p14:creationId xmlns:p14="http://schemas.microsoft.com/office/powerpoint/2010/main" val="3915225321"/>
+      </p:ext>
+    </p:extLst>
+  </p:cSld>
+  <p:clrMapOvr>
+    <a:masterClrMapping/>
+  </p:clrMapOvr>
+</p:notes>
+</file>
+
+<file path=ppt/notesSlides/notesSlide3.xml><?xml version="1.0" encoding="utf-8"?>
+<p:notes xmlns:a="http://schemas.openxmlformats.org/drawingml/2006/main" xmlns:r="http://schemas.openxmlformats.org/officeDocument/2006/relationships" xmlns:p="http://schemas.openxmlformats.org/presentationml/2006/main">
+  <p:cSld>
+    <p:spTree>
+      <p:nvGrpSpPr>
+        <p:cNvPr id="1" name=""/>
+        <p:cNvGrpSpPr/>
+        <p:nvPr/>
+      </p:nvGrpSpPr>
+      <p:grpSpPr>
+        <a:xfrm>
+          <a:off x="0" y="0"/>
+          <a:ext cx="0" cy="0"/>
+          <a:chOff x="0" y="0"/>
+          <a:chExt cx="0" cy="0"/>
+        </a:xfrm>
+      </p:grpSpPr>
+      <p:sp>
+        <p:nvSpPr>
+          <p:cNvPr id="2" name="Slide Image Placeholder 1"/>
+          <p:cNvSpPr>
+            <a:spLocks noGrp="1" noRot="1" noChangeAspect="1"/>
+          </p:cNvSpPr>
+          <p:nvPr>
+            <p:ph type="sldImg"/>
+          </p:nvPr>
+        </p:nvSpPr>
+        <p:spPr/>
+      </p:sp>
+      <p:sp>
+        <p:nvSpPr>
+          <p:cNvPr id="3" name="Notes Placeholder 2"/>
+          <p:cNvSpPr>
+            <a:spLocks noGrp="1"/>
+          </p:cNvSpPr>
+          <p:nvPr>
+            <p:ph type="body" idx="1"/>
+          </p:nvPr>
+        </p:nvSpPr>
+        <p:spPr/>
+        <p:txBody>
+          <a:bodyPr/>
+          <a:lstStyle/>
+          <a:p>
+            <a:r>
+              <a:rPr lang="en-US" dirty="0"/>
+              <a:t>When </a:t>
+            </a:r>
+            <a:r>
+              <a:rPr lang="en-US" dirty="0" err="1"/>
+              <a:t>corprare</a:t>
+            </a:r>
+            <a:r>
+              <a:rPr lang="en-US" dirty="0"/>
+              <a:t> are different length you could make the stacked bars proportional by to terms.</a:t>
+            </a:r>
+          </a:p>
+        </p:txBody>
+      </p:sp>
+      <p:sp>
+        <p:nvSpPr>
+          <p:cNvPr id="4" name="Slide Number Placeholder 3"/>
+          <p:cNvSpPr>
+            <a:spLocks noGrp="1"/>
+          </p:cNvSpPr>
+          <p:nvPr>
+            <p:ph type="sldNum" sz="quarter" idx="5"/>
+          </p:nvPr>
+        </p:nvSpPr>
+        <p:spPr/>
+        <p:txBody>
+          <a:bodyPr/>
+          <a:lstStyle/>
+          <a:p>
+            <a:fld id="{24E9AA13-E3FC-4BB6-B68D-5F0F5803D716}" type="slidenum">
+              <a:rPr lang="en-US" smtClean="0"/>
+              <a:t>7</a:t>
+            </a:fld>
+            <a:endParaRPr lang="en-US"/>
+          </a:p>
+        </p:txBody>
+      </p:sp>
+    </p:spTree>
+    <p:extLst>
+      <p:ext uri="{BB962C8B-B14F-4D97-AF65-F5344CB8AC3E}">
+        <p14:creationId xmlns:p14="http://schemas.microsoft.com/office/powerpoint/2010/main" val="1400713103"/>
+      </p:ext>
+    </p:extLst>
+  </p:cSld>
+  <p:clrMapOvr>
+    <a:masterClrMapping/>
+  </p:clrMapOvr>
+</p:notes>
+</file>
+
+<file path=ppt/notesSlides/notesSlide4.xml><?xml version="1.0" encoding="utf-8"?>
+<p:notes xmlns:a="http://schemas.openxmlformats.org/drawingml/2006/main" xmlns:r="http://schemas.openxmlformats.org/officeDocument/2006/relationships" xmlns:p="http://schemas.openxmlformats.org/presentationml/2006/main">
+  <p:cSld>
+    <p:spTree>
+      <p:nvGrpSpPr>
+        <p:cNvPr id="1" name=""/>
+        <p:cNvGrpSpPr/>
+        <p:nvPr/>
+      </p:nvGrpSpPr>
+      <p:grpSpPr>
+        <a:xfrm>
+          <a:off x="0" y="0"/>
+          <a:ext cx="0" cy="0"/>
+          <a:chOff x="0" y="0"/>
+          <a:chExt cx="0" cy="0"/>
+        </a:xfrm>
+      </p:grpSpPr>
+      <p:sp>
+        <p:nvSpPr>
+          <p:cNvPr id="2" name="Slide Image Placeholder 1"/>
+          <p:cNvSpPr>
+            <a:spLocks noGrp="1" noRot="1" noChangeAspect="1"/>
+          </p:cNvSpPr>
+          <p:nvPr>
+            <p:ph type="sldImg"/>
+          </p:nvPr>
+        </p:nvSpPr>
+        <p:spPr/>
+      </p:sp>
+      <p:sp>
+        <p:nvSpPr>
+          <p:cNvPr id="3" name="Notes Placeholder 2"/>
+          <p:cNvSpPr>
+            <a:spLocks noGrp="1"/>
+          </p:cNvSpPr>
+          <p:nvPr>
+            <p:ph type="body" idx="1"/>
+          </p:nvPr>
+        </p:nvSpPr>
+        <p:spPr/>
+        <p:txBody>
+          <a:bodyPr/>
+          <a:lstStyle/>
+          <a:p>
+            <a:r>
+              <a:rPr lang="en-US" dirty="0" err="1"/>
+              <a:t>Lexcialy</a:t>
+            </a:r>
+            <a:r>
+              <a:rPr lang="en-US" dirty="0"/>
+              <a:t> </a:t>
+            </a:r>
+            <a:r>
+              <a:rPr lang="en-US" dirty="0" err="1"/>
+              <a:t>divery</a:t>
+            </a:r>
+            <a:r>
+              <a:rPr lang="en-US" dirty="0"/>
+              <a:t> follow this </a:t>
+            </a:r>
+            <a:r>
+              <a:rPr lang="en-US" dirty="0" err="1"/>
+              <a:t>parttern</a:t>
+            </a:r>
+            <a:r>
+              <a:rPr lang="en-US" dirty="0"/>
+              <a:t> and it looks like this, and overall terms and distributions are used in predictable patterns, we called </a:t>
+            </a:r>
+            <a:r>
+              <a:rPr lang="en-US" dirty="0" err="1"/>
+              <a:t>Zipf’s</a:t>
+            </a:r>
+            <a:r>
+              <a:rPr lang="en-US" dirty="0"/>
+              <a:t> law</a:t>
+            </a:r>
+          </a:p>
+        </p:txBody>
+      </p:sp>
+      <p:sp>
+        <p:nvSpPr>
+          <p:cNvPr id="4" name="Slide Number Placeholder 3"/>
+          <p:cNvSpPr>
+            <a:spLocks noGrp="1"/>
+          </p:cNvSpPr>
+          <p:nvPr>
+            <p:ph type="sldNum" sz="quarter" idx="5"/>
+          </p:nvPr>
+        </p:nvSpPr>
+        <p:spPr/>
+        <p:txBody>
+          <a:bodyPr/>
+          <a:lstStyle/>
+          <a:p>
+            <a:fld id="{24E9AA13-E3FC-4BB6-B68D-5F0F5803D716}" type="slidenum">
+              <a:rPr lang="en-US" smtClean="0"/>
+              <a:t>8</a:t>
+            </a:fld>
+            <a:endParaRPr lang="en-US"/>
+          </a:p>
+        </p:txBody>
+      </p:sp>
+    </p:spTree>
+    <p:extLst>
+      <p:ext uri="{BB962C8B-B14F-4D97-AF65-F5344CB8AC3E}">
+        <p14:creationId xmlns:p14="http://schemas.microsoft.com/office/powerpoint/2010/main" val="1843161982"/>
+      </p:ext>
+    </p:extLst>
+  </p:cSld>
+  <p:clrMapOvr>
+    <a:masterClrMapping/>
+  </p:clrMapOvr>
+</p:notes>
+</file>
+
+<file path=ppt/notesSlides/notesSlide5.xml><?xml version="1.0" encoding="utf-8"?>
+<p:notes xmlns:a="http://schemas.openxmlformats.org/drawingml/2006/main" xmlns:r="http://schemas.openxmlformats.org/officeDocument/2006/relationships" xmlns:p="http://schemas.openxmlformats.org/presentationml/2006/main">
+  <p:cSld>
+    <p:spTree>
+      <p:nvGrpSpPr>
+        <p:cNvPr id="1" name=""/>
+        <p:cNvGrpSpPr/>
+        <p:nvPr/>
+      </p:nvGrpSpPr>
+      <p:grpSpPr>
+        <a:xfrm>
+          <a:off x="0" y="0"/>
+          <a:ext cx="0" cy="0"/>
+          <a:chOff x="0" y="0"/>
+          <a:chExt cx="0" cy="0"/>
+        </a:xfrm>
+      </p:grpSpPr>
+      <p:sp>
+        <p:nvSpPr>
+          <p:cNvPr id="2" name="Slide Image Placeholder 1"/>
+          <p:cNvSpPr>
+            <a:spLocks noGrp="1" noRot="1" noChangeAspect="1"/>
+          </p:cNvSpPr>
+          <p:nvPr>
+            <p:ph type="sldImg"/>
+          </p:nvPr>
+        </p:nvSpPr>
+        <p:spPr/>
+      </p:sp>
+      <p:sp>
+        <p:nvSpPr>
+          <p:cNvPr id="3" name="Notes Placeholder 2"/>
+          <p:cNvSpPr>
+            <a:spLocks noGrp="1"/>
+          </p:cNvSpPr>
+          <p:nvPr>
+            <p:ph type="body" idx="1"/>
+          </p:nvPr>
+        </p:nvSpPr>
+        <p:spPr/>
+        <p:txBody>
+          <a:bodyPr/>
+          <a:lstStyle/>
+          <a:p>
+            <a:endParaRPr lang="en-US" dirty="0"/>
+          </a:p>
+        </p:txBody>
+      </p:sp>
+      <p:sp>
+        <p:nvSpPr>
+          <p:cNvPr id="4" name="Slide Number Placeholder 3"/>
+          <p:cNvSpPr>
+            <a:spLocks noGrp="1"/>
+          </p:cNvSpPr>
+          <p:nvPr>
+            <p:ph type="sldNum" sz="quarter" idx="5"/>
+          </p:nvPr>
+        </p:nvSpPr>
+        <p:spPr/>
+        <p:txBody>
+          <a:bodyPr/>
+          <a:lstStyle/>
+          <a:p>
+            <a:fld id="{24E9AA13-E3FC-4BB6-B68D-5F0F5803D716}" type="slidenum">
+              <a:rPr lang="en-US" smtClean="0"/>
+              <a:t>9</a:t>
+            </a:fld>
+            <a:endParaRPr lang="en-US"/>
+          </a:p>
+        </p:txBody>
+      </p:sp>
+    </p:spTree>
+    <p:extLst>
+      <p:ext uri="{BB962C8B-B14F-4D97-AF65-F5344CB8AC3E}">
+        <p14:creationId xmlns:p14="http://schemas.microsoft.com/office/powerpoint/2010/main" val="1174928029"/>
+      </p:ext>
+    </p:extLst>
+  </p:cSld>
+  <p:clrMapOvr>
+    <a:masterClrMapping/>
+  </p:clrMapOvr>
+</p:notes>
+</file>
+
+<file path=ppt/notesSlides/notesSlide6.xml><?xml version="1.0" encoding="utf-8"?>
+<p:notes xmlns:a="http://schemas.openxmlformats.org/drawingml/2006/main" xmlns:r="http://schemas.openxmlformats.org/officeDocument/2006/relationships" xmlns:p="http://schemas.openxmlformats.org/presentationml/2006/main">
+  <p:cSld>
+    <p:spTree>
+      <p:nvGrpSpPr>
+        <p:cNvPr id="1" name=""/>
+        <p:cNvGrpSpPr/>
+        <p:nvPr/>
+      </p:nvGrpSpPr>
+      <p:grpSpPr>
+        <a:xfrm>
+          <a:off x="0" y="0"/>
+          <a:ext cx="0" cy="0"/>
+          <a:chOff x="0" y="0"/>
+          <a:chExt cx="0" cy="0"/>
+        </a:xfrm>
+      </p:grpSpPr>
+      <p:sp>
+        <p:nvSpPr>
+          <p:cNvPr id="2" name="Slide Image Placeholder 1"/>
+          <p:cNvSpPr>
+            <a:spLocks noGrp="1" noRot="1" noChangeAspect="1"/>
+          </p:cNvSpPr>
+          <p:nvPr>
+            <p:ph type="sldImg"/>
+          </p:nvPr>
+        </p:nvSpPr>
+        <p:spPr/>
+      </p:sp>
+      <p:sp>
+        <p:nvSpPr>
+          <p:cNvPr id="3" name="Notes Placeholder 2"/>
+          <p:cNvSpPr>
+            <a:spLocks noGrp="1"/>
+          </p:cNvSpPr>
+          <p:nvPr>
+            <p:ph type="body" idx="1"/>
+          </p:nvPr>
+        </p:nvSpPr>
+        <p:spPr/>
+        <p:txBody>
+          <a:bodyPr/>
+          <a:lstStyle/>
+          <a:p>
+            <a:pPr algn="l"/>
+            <a:r>
+              <a:rPr lang="en-US" b="0" i="0" dirty="0" err="1">
+                <a:solidFill>
+                  <a:srgbClr val="202124"/>
+                </a:solidFill>
+                <a:effectLst/>
+                <a:latin typeface="Roboto" panose="02000000000000000000" pitchFamily="2" charset="0"/>
+              </a:rPr>
+              <a:t>Zipf's</a:t>
+            </a:r>
+            <a:r>
+              <a:rPr lang="en-US" b="0" i="0" dirty="0">
+                <a:solidFill>
+                  <a:srgbClr val="202124"/>
+                </a:solidFill>
+                <a:effectLst/>
+                <a:latin typeface="Roboto" panose="02000000000000000000" pitchFamily="2" charset="0"/>
+              </a:rPr>
+              <a:t> law </a:t>
+            </a:r>
+            <a:r>
+              <a:rPr lang="en-US" b="1" i="0" dirty="0">
+                <a:solidFill>
+                  <a:srgbClr val="202124"/>
+                </a:solidFill>
+                <a:effectLst/>
+                <a:latin typeface="Roboto" panose="02000000000000000000" pitchFamily="2" charset="0"/>
+              </a:rPr>
+              <a:t>describes how the frequency of a word in natural language, is dependent on its rank in the frequency table</a:t>
+            </a:r>
+            <a:r>
+              <a:rPr lang="en-US" b="0" i="0" dirty="0">
+                <a:solidFill>
+                  <a:srgbClr val="202124"/>
+                </a:solidFill>
+                <a:effectLst/>
+                <a:latin typeface="Roboto" panose="02000000000000000000" pitchFamily="2" charset="0"/>
+              </a:rPr>
+              <a:t>. So the most frequent word occurs twice as often as the second most frequent work, three times as often as the subsequent word, and so on until the least frequent </a:t>
+            </a:r>
+            <a:r>
+              <a:rPr lang="en-US" b="0" i="0" dirty="0" err="1">
+                <a:solidFill>
+                  <a:srgbClr val="202124"/>
+                </a:solidFill>
+                <a:effectLst/>
+                <a:latin typeface="Roboto" panose="02000000000000000000" pitchFamily="2" charset="0"/>
+              </a:rPr>
+              <a:t>word.</a:t>
+            </a:r>
+            <a:r>
+              <a:rPr lang="en-US" b="0" i="0" dirty="0" err="1">
+                <a:solidFill>
+                  <a:srgbClr val="70757A"/>
+                </a:solidFill>
+                <a:effectLst/>
+                <a:latin typeface="Roboto" panose="02000000000000000000" pitchFamily="2" charset="0"/>
+              </a:rPr>
+              <a:t>Aug</a:t>
+            </a:r>
+            <a:r>
+              <a:rPr lang="en-US" b="0" i="0" dirty="0">
+                <a:solidFill>
+                  <a:srgbClr val="70757A"/>
+                </a:solidFill>
+                <a:effectLst/>
+                <a:latin typeface="Roboto" panose="02000000000000000000" pitchFamily="2" charset="0"/>
+              </a:rPr>
+              <a:t> 10, 2017</a:t>
+            </a:r>
+            <a:endParaRPr lang="en-US" b="0" i="0" dirty="0">
+              <a:solidFill>
+                <a:srgbClr val="202124"/>
+              </a:solidFill>
+              <a:effectLst/>
+              <a:latin typeface="Roboto" panose="02000000000000000000" pitchFamily="2" charset="0"/>
+            </a:endParaRPr>
+          </a:p>
+          <a:p>
+            <a:br>
+              <a:rPr lang="en-US" b="0" i="0">
+                <a:solidFill>
+                  <a:srgbClr val="202124"/>
+                </a:solidFill>
+                <a:effectLst/>
+                <a:latin typeface="Roboto" panose="02000000000000000000" pitchFamily="2" charset="0"/>
+              </a:rPr>
+            </a:br>
+            <a:endParaRPr lang="en-US"/>
+          </a:p>
+        </p:txBody>
+      </p:sp>
+      <p:sp>
+        <p:nvSpPr>
+          <p:cNvPr id="4" name="Slide Number Placeholder 3"/>
+          <p:cNvSpPr>
+            <a:spLocks noGrp="1"/>
+          </p:cNvSpPr>
+          <p:nvPr>
+            <p:ph type="sldNum" sz="quarter" idx="5"/>
+          </p:nvPr>
+        </p:nvSpPr>
+        <p:spPr/>
+        <p:txBody>
+          <a:bodyPr/>
+          <a:lstStyle/>
+          <a:p>
+            <a:fld id="{24E9AA13-E3FC-4BB6-B68D-5F0F5803D716}" type="slidenum">
+              <a:rPr lang="en-US" smtClean="0"/>
+              <a:t>12</a:t>
+            </a:fld>
+            <a:endParaRPr lang="en-US"/>
+          </a:p>
+        </p:txBody>
+      </p:sp>
+    </p:spTree>
+    <p:extLst>
+      <p:ext uri="{BB962C8B-B14F-4D97-AF65-F5344CB8AC3E}">
+        <p14:creationId xmlns:p14="http://schemas.microsoft.com/office/powerpoint/2010/main" val="3506452689"/>
+      </p:ext>
+    </p:extLst>
+  </p:cSld>
+  <p:clrMapOvr>
+    <a:masterClrMapping/>
+  </p:clrMapOvr>
+</p:notes>
+</file>
+
 <file path=ppt/slideLayouts/slideLayout1.xml><?xml version="1.0" encoding="utf-8"?>
 <p:sldLayout xmlns:a="http://schemas.openxmlformats.org/drawingml/2006/main" xmlns:r="http://schemas.openxmlformats.org/officeDocument/2006/relationships" xmlns:p="http://schemas.openxmlformats.org/presentationml/2006/main" type="title" preserve="1">
   <p:cSld name="Title Slide">
@@ -6825,7 +7482,7 @@
           <a:p>
             <a:fld id="{27E546E6-2116-4B86-8D8E-1723C4E3A393}" type="datetime1">
               <a:rPr lang="en-US" smtClean="0"/>
-              <a:t>2/28/2022</a:t>
+              <a:t>3/2/2022</a:t>
             </a:fld>
             <a:endParaRPr lang="en-US"/>
           </a:p>
@@ -7023,7 +7680,7 @@
           <a:p>
             <a:fld id="{F7F97214-C456-4291-B91B-60B423CCEA0D}" type="datetime1">
               <a:rPr lang="en-US" smtClean="0"/>
-              <a:t>2/28/2022</a:t>
+              <a:t>3/2/2022</a:t>
             </a:fld>
             <a:endParaRPr lang="en-US"/>
           </a:p>
@@ -7379,7 +8036,7 @@
           <a:p>
             <a:fld id="{1B99D5C2-BA73-4E4F-9D85-30FD053E80EC}" type="datetime1">
               <a:rPr lang="en-US" smtClean="0"/>
-              <a:t>2/28/2022</a:t>
+              <a:t>3/2/2022</a:t>
             </a:fld>
             <a:endParaRPr lang="en-US"/>
           </a:p>
@@ -7688,7 +8345,7 @@
           <a:p>
             <a:fld id="{53878FA1-F6C8-4130-9164-CA1D62490E1F}" type="datetime1">
               <a:rPr lang="en-US" smtClean="0"/>
-              <a:t>2/28/2022</a:t>
+              <a:t>3/2/2022</a:t>
             </a:fld>
             <a:endParaRPr lang="en-US"/>
           </a:p>
@@ -8018,7 +8675,7 @@
           <a:p>
             <a:fld id="{3EB53016-520F-47E1-923E-5D669E09EC5E}" type="datetime1">
               <a:rPr lang="en-US" smtClean="0"/>
-              <a:t>2/28/2022</a:t>
+              <a:t>3/2/2022</a:t>
             </a:fld>
             <a:endParaRPr lang="en-US"/>
           </a:p>
@@ -8272,7 +8929,7 @@
           <a:p>
             <a:fld id="{9F18AEF4-7D5F-4AA2-B3A2-FFA63FD9645C}" type="datetime1">
               <a:rPr lang="en-US" smtClean="0"/>
-              <a:t>2/28/2022</a:t>
+              <a:t>3/2/2022</a:t>
             </a:fld>
             <a:endParaRPr lang="en-US"/>
           </a:p>
@@ -8721,7 +9378,7 @@
           <a:p>
             <a:fld id="{C51F887F-B5C0-42E1-A5D5-C424F5C2DCC8}" type="datetime1">
               <a:rPr lang="en-US" smtClean="0"/>
-              <a:t>2/28/2022</a:t>
+              <a:t>3/2/2022</a:t>
             </a:fld>
             <a:endParaRPr lang="en-US"/>
           </a:p>
@@ -8910,7 +9567,7 @@
           <a:p>
             <a:fld id="{2971A5F8-EB6E-4934-A215-A9A770F317D4}" type="datetime1">
               <a:rPr lang="en-US" smtClean="0"/>
-              <a:t>2/28/2022</a:t>
+              <a:t>3/2/2022</a:t>
             </a:fld>
             <a:endParaRPr lang="en-US"/>
           </a:p>
@@ -9117,7 +9774,7 @@
           <a:p>
             <a:fld id="{298EE62E-AB34-4274-8D87-91D7000292EF}" type="datetime1">
               <a:rPr lang="en-US" smtClean="0"/>
-              <a:t>2/28/2022</a:t>
+              <a:t>3/2/2022</a:t>
             </a:fld>
             <a:endParaRPr lang="en-US"/>
           </a:p>
@@ -9524,7 +10181,7 @@
           <a:p>
             <a:fld id="{684BAF3E-9CA3-47FD-884C-A975E1559D67}" type="datetime1">
               <a:rPr lang="en-US" smtClean="0"/>
-              <a:t>2/28/2022</a:t>
+              <a:t>3/2/2022</a:t>
             </a:fld>
             <a:endParaRPr lang="en-US"/>
           </a:p>
@@ -9857,7 +10514,7 @@
           <a:p>
             <a:fld id="{66511B5E-87FB-47A0-A1B9-B45431770740}" type="datetime1">
               <a:rPr lang="en-US" smtClean="0"/>
-              <a:t>2/28/2022</a:t>
+              <a:t>3/2/2022</a:t>
             </a:fld>
             <a:endParaRPr lang="en-US"/>
           </a:p>
@@ -10148,7 +10805,7 @@
           <a:p>
             <a:fld id="{1BF94EDB-35CC-4B1E-AB52-818E7EBD409F}" type="datetime1">
               <a:rPr lang="en-US" smtClean="0"/>
-              <a:t>2/28/2022</a:t>
+              <a:t>3/2/2022</a:t>
             </a:fld>
             <a:endParaRPr lang="en-US"/>
           </a:p>
@@ -10588,7 +11245,7 @@
           <a:p>
             <a:fld id="{E407F4AF-AB52-4050-840B-8BDDC5EE6926}" type="datetime1">
               <a:rPr lang="en-US" smtClean="0"/>
-              <a:t>2/28/2022</a:t>
+              <a:t>3/2/2022</a:t>
             </a:fld>
             <a:endParaRPr lang="en-US"/>
           </a:p>
@@ -10778,7 +11435,7 @@
           <a:p>
             <a:fld id="{89868374-B88E-447A-90EB-60B4248EF450}" type="datetime1">
               <a:rPr lang="en-US" smtClean="0"/>
-              <a:t>2/28/2022</a:t>
+              <a:t>3/2/2022</a:t>
             </a:fld>
             <a:endParaRPr lang="en-US"/>
           </a:p>
@@ -11217,7 +11874,7 @@
           <a:p>
             <a:fld id="{35D169C5-DB9C-4267-8579-841141B0C827}" type="datetime1">
               <a:rPr lang="en-US" smtClean="0"/>
-              <a:t>2/28/2022</a:t>
+              <a:t>3/2/2022</a:t>
             </a:fld>
             <a:endParaRPr lang="en-US"/>
           </a:p>
@@ -11717,7 +12374,7 @@
           <a:p>
             <a:fld id="{7F81B3B1-DB85-4EC4-9D3F-2B965F168771}" type="datetime1">
               <a:rPr lang="en-US" smtClean="0"/>
-              <a:t>2/28/2022</a:t>
+              <a:t>3/2/2022</a:t>
             </a:fld>
             <a:endParaRPr lang="en-US"/>
           </a:p>
@@ -12037,7 +12694,7 @@
           <a:p>
             <a:r>
               <a:rPr lang="en-US" sz="1050" dirty="0">
-                <a:hlinkClick r:id="rId2"/>
+                <a:hlinkClick r:id="rId3"/>
               </a:rPr>
               <a:t>https://www.worlddata.info/average-income.php</a:t>
             </a:r>
@@ -12071,7 +12728,7 @@
         </p:xfrm>
         <a:graphic>
           <a:graphicData uri="http://schemas.openxmlformats.org/drawingml/2006/chart">
-            <c:chart xmlns:c="http://schemas.openxmlformats.org/drawingml/2006/chart" xmlns:r="http://schemas.openxmlformats.org/officeDocument/2006/relationships" r:id="rId3"/>
+            <c:chart xmlns:c="http://schemas.openxmlformats.org/drawingml/2006/chart" xmlns:r="http://schemas.openxmlformats.org/officeDocument/2006/relationships" r:id="rId4"/>
           </a:graphicData>
         </a:graphic>
       </p:graphicFrame>
@@ -12280,7 +12937,7 @@
           <a:p>
             <a:fld id="{A6535C9D-8204-4FB7-A2A3-5BCE1719E383}" type="datetime1">
               <a:rPr lang="en-US" smtClean="0"/>
-              <a:t>2/28/2022</a:t>
+              <a:t>3/2/2022</a:t>
             </a:fld>
             <a:endParaRPr lang="en-US"/>
           </a:p>
@@ -12724,7 +13381,7 @@
           <a:p>
             <a:fld id="{EC85983F-D905-40C0-9E1B-3D01FC072210}" type="datetime1">
               <a:rPr lang="en-US" smtClean="0"/>
-              <a:t>2/28/2022</a:t>
+              <a:t>3/2/2022</a:t>
             </a:fld>
             <a:endParaRPr lang="en-US"/>
           </a:p>
@@ -13345,7 +14002,7 @@
           <a:p>
             <a:fld id="{7374177A-D1F5-461E-81D2-698A1782911F}" type="datetime1">
               <a:rPr lang="en-US" smtClean="0"/>
-              <a:t>2/28/2022</a:t>
+              <a:t>3/2/2022</a:t>
             </a:fld>
             <a:endParaRPr lang="en-US"/>
           </a:p>
@@ -14276,7 +14933,7 @@
           <a:p>
             <a:fld id="{CC065B89-27BA-4C6F-9853-1094D274A62B}" type="datetime1">
               <a:rPr lang="en-US" smtClean="0"/>
-              <a:t>2/28/2022</a:t>
+              <a:t>3/2/2022</a:t>
             </a:fld>
             <a:endParaRPr lang="en-US"/>
           </a:p>
@@ -14785,7 +15442,7 @@
           <a:p>
             <a:fld id="{E1EE5AC9-772C-4D25-A850-89D9964775A0}" type="datetime1">
               <a:rPr lang="en-US" smtClean="0"/>
-              <a:t>2/28/2022</a:t>
+              <a:t>3/2/2022</a:t>
             </a:fld>
             <a:endParaRPr lang="en-US"/>
           </a:p>
@@ -15250,7 +15907,7 @@
           <a:p>
             <a:fld id="{42BE9D7E-75A0-41D1-96A2-7E22916C32C7}" type="datetime1">
               <a:rPr lang="en-US" smtClean="0"/>
-              <a:t>2/28/2022</a:t>
+              <a:t>3/2/2022</a:t>
             </a:fld>
             <a:endParaRPr lang="en-US"/>
           </a:p>
@@ -17194,7 +17851,7 @@
           <a:p>
             <a:fld id="{E4AEAA09-946C-40D7-919E-0238877E9432}" type="datetime1">
               <a:rPr lang="en-US" smtClean="0"/>
-              <a:t>2/28/2022</a:t>
+              <a:t>3/2/2022</a:t>
             </a:fld>
             <a:endParaRPr lang="en-US"/>
           </a:p>
@@ -17443,7 +18100,7 @@
 </file>
 
 <file path=ppt/slides/slide4.xml><?xml version="1.0" encoding="utf-8"?>
-<p:sld xmlns:a="http://schemas.openxmlformats.org/drawingml/2006/main" xmlns:r="http://schemas.openxmlformats.org/officeDocument/2006/relationships" xmlns:p="http://schemas.openxmlformats.org/presentationml/2006/main" show="0">
+<p:sld xmlns:a="http://schemas.openxmlformats.org/drawingml/2006/main" xmlns:r="http://schemas.openxmlformats.org/officeDocument/2006/relationships" xmlns:p="http://schemas.openxmlformats.org/presentationml/2006/main">
   <p:cSld>
     <p:spTree>
       <p:nvGrpSpPr>
@@ -17482,7 +18139,7 @@
           <a:p>
             <a:fld id="{771B2C6F-6D45-4ED0-95B1-A1C0CD0624BD}" type="datetime1">
               <a:rPr lang="en-US" smtClean="0"/>
-              <a:t>2/28/2022</a:t>
+              <a:t>3/2/2022</a:t>
             </a:fld>
             <a:endParaRPr lang="en-US"/>
           </a:p>
@@ -18174,7 +18831,7 @@
 </file>
 
 <file path=ppt/slides/slide5.xml><?xml version="1.0" encoding="utf-8"?>
-<p:sld xmlns:a="http://schemas.openxmlformats.org/drawingml/2006/main" xmlns:r="http://schemas.openxmlformats.org/officeDocument/2006/relationships" xmlns:p="http://schemas.openxmlformats.org/presentationml/2006/main" show="0">
+<p:sld xmlns:a="http://schemas.openxmlformats.org/drawingml/2006/main" xmlns:r="http://schemas.openxmlformats.org/officeDocument/2006/relationships" xmlns:p="http://schemas.openxmlformats.org/presentationml/2006/main">
   <p:cSld>
     <p:spTree>
       <p:nvGrpSpPr>
@@ -18213,7 +18870,7 @@
           <a:p>
             <a:fld id="{849041B0-C4D6-4BD6-8EAA-D3CDDFF0F0E3}" type="datetime1">
               <a:rPr lang="en-US" smtClean="0"/>
-              <a:t>2/28/2022</a:t>
+              <a:t>3/2/2022</a:t>
             </a:fld>
             <a:endParaRPr lang="en-US"/>
           </a:p>
@@ -18372,7 +19029,7 @@
           <p:nvPr/>
         </p:nvPicPr>
         <p:blipFill>
-          <a:blip r:embed="rId2">
+          <a:blip r:embed="rId3">
             <a:extLst>
               <a:ext uri="{28A0092B-C50C-407E-A947-70E740481C1C}">
                 <a14:useLocalDpi xmlns:a14="http://schemas.microsoft.com/office/drawing/2010/main" val="0"/>
@@ -18504,7 +19161,7 @@
 </file>
 
 <file path=ppt/slides/slide6.xml><?xml version="1.0" encoding="utf-8"?>
-<p:sld xmlns:a="http://schemas.openxmlformats.org/drawingml/2006/main" xmlns:r="http://schemas.openxmlformats.org/officeDocument/2006/relationships" xmlns:p="http://schemas.openxmlformats.org/presentationml/2006/main" show="0">
+<p:sld xmlns:a="http://schemas.openxmlformats.org/drawingml/2006/main" xmlns:r="http://schemas.openxmlformats.org/officeDocument/2006/relationships" xmlns:p="http://schemas.openxmlformats.org/presentationml/2006/main">
   <p:cSld>
     <p:spTree>
       <p:nvGrpSpPr>
@@ -18543,7 +19200,7 @@
           <a:p>
             <a:fld id="{FF60B306-2DEE-4896-9FCF-FB98BC793074}" type="datetime1">
               <a:rPr lang="en-US" smtClean="0"/>
-              <a:t>2/28/2022</a:t>
+              <a:t>3/2/2022</a:t>
             </a:fld>
             <a:endParaRPr lang="en-US"/>
           </a:p>
@@ -18718,7 +19375,7 @@
           <p:nvPr/>
         </p:nvPicPr>
         <p:blipFill>
-          <a:blip r:embed="rId2">
+          <a:blip r:embed="rId3">
             <a:extLst>
               <a:ext uri="{28A0092B-C50C-407E-A947-70E740481C1C}">
                 <a14:useLocalDpi xmlns:a14="http://schemas.microsoft.com/office/drawing/2010/main" val="0"/>
@@ -18850,7 +19507,7 @@
 </file>
 
 <file path=ppt/slides/slide7.xml><?xml version="1.0" encoding="utf-8"?>
-<p:sld xmlns:a="http://schemas.openxmlformats.org/drawingml/2006/main" xmlns:r="http://schemas.openxmlformats.org/officeDocument/2006/relationships" xmlns:p="http://schemas.openxmlformats.org/presentationml/2006/main" show="0">
+<p:sld xmlns:a="http://schemas.openxmlformats.org/drawingml/2006/main" xmlns:r="http://schemas.openxmlformats.org/officeDocument/2006/relationships" xmlns:p="http://schemas.openxmlformats.org/presentationml/2006/main">
   <p:cSld>
     <p:spTree>
       <p:nvGrpSpPr>
@@ -18883,7 +19540,7 @@
           <a:p>
             <a:fld id="{D7DC75F1-E057-46C0-8A7F-406B005A7286}" type="datetime1">
               <a:rPr lang="en-US" smtClean="0"/>
-              <a:t>2/28/2022</a:t>
+              <a:t>3/2/2022</a:t>
             </a:fld>
             <a:endParaRPr lang="en-US"/>
           </a:p>
@@ -19041,7 +19698,7 @@
           <p:nvPr/>
         </p:nvPicPr>
         <p:blipFill>
-          <a:blip r:embed="rId2">
+          <a:blip r:embed="rId3">
             <a:extLst>
               <a:ext uri="{28A0092B-C50C-407E-A947-70E740481C1C}">
                 <a14:useLocalDpi xmlns:a14="http://schemas.microsoft.com/office/drawing/2010/main" val="0"/>
@@ -19212,7 +19869,7 @@
           <a:p>
             <a:fld id="{0525F700-98AB-4CEF-B927-AD4DBE48EA9C}" type="datetime1">
               <a:rPr lang="en-US" smtClean="0"/>
-              <a:t>2/28/2022</a:t>
+              <a:t>3/2/2022</a:t>
             </a:fld>
             <a:endParaRPr lang="en-US"/>
           </a:p>
@@ -19394,7 +20051,7 @@
         </p:xfrm>
         <a:graphic>
           <a:graphicData uri="http://schemas.openxmlformats.org/drawingml/2006/chart">
-            <c:chart xmlns:c="http://schemas.openxmlformats.org/drawingml/2006/chart" xmlns:r="http://schemas.openxmlformats.org/officeDocument/2006/relationships" r:id="rId2"/>
+            <c:chart xmlns:c="http://schemas.openxmlformats.org/drawingml/2006/chart" xmlns:r="http://schemas.openxmlformats.org/officeDocument/2006/relationships" r:id="rId3"/>
           </a:graphicData>
         </a:graphic>
       </p:graphicFrame>
@@ -19413,7 +20070,7 @@
           <p:nvPr/>
         </p:nvPicPr>
         <p:blipFill>
-          <a:blip r:embed="rId3" cstate="print">
+          <a:blip r:embed="rId4" cstate="print">
             <a:extLst>
               <a:ext uri="{28A0092B-C50C-407E-A947-70E740481C1C}">
                 <a14:useLocalDpi xmlns:a14="http://schemas.microsoft.com/office/drawing/2010/main" val="0"/>
@@ -19584,7 +20241,7 @@
           <a:p>
             <a:fld id="{49055804-DB27-4F68-B0FC-3490989E03C8}" type="datetime1">
               <a:rPr lang="en-US" smtClean="0"/>
-              <a:t>2/28/2022</a:t>
+              <a:t>3/2/2022</a:t>
             </a:fld>
             <a:endParaRPr lang="en-US"/>
           </a:p>
@@ -19702,7 +20359,7 @@
         </p:xfrm>
         <a:graphic>
           <a:graphicData uri="http://schemas.openxmlformats.org/drawingml/2006/chart">
-            <c:chart xmlns:c="http://schemas.openxmlformats.org/drawingml/2006/chart" xmlns:r="http://schemas.openxmlformats.org/officeDocument/2006/relationships" r:id="rId2"/>
+            <c:chart xmlns:c="http://schemas.openxmlformats.org/drawingml/2006/chart" xmlns:r="http://schemas.openxmlformats.org/officeDocument/2006/relationships" r:id="rId3"/>
           </a:graphicData>
         </a:graphic>
       </p:graphicFrame>
